--- a/企画系資料/すれ違い様に斬ってみた.pptx
+++ b/企画系資料/すれ違い様に斬ってみた.pptx
@@ -8,7 +8,8 @@
     <p:sldId id="256" r:id="rId2"/>
     <p:sldId id="257" r:id="rId3"/>
     <p:sldId id="258" r:id="rId4"/>
-    <p:sldId id="260" r:id="rId5"/>
+    <p:sldId id="261" r:id="rId5"/>
+    <p:sldId id="260" r:id="rId6"/>
   </p:sldIdLst>
   <p:sldSz cx="12192000" cy="6858000"/>
   <p:notesSz cx="6858000" cy="9144000"/>
@@ -4042,7 +4043,7 @@
         </p:nvSpPr>
         <p:spPr>
           <a:xfrm>
-            <a:off x="475010" y="4948719"/>
+            <a:off x="475010" y="4285988"/>
             <a:ext cx="2570671" cy="456047"/>
           </a:xfrm>
         </p:spPr>
@@ -4082,7 +4083,7 @@
         </p:nvSpPr>
         <p:spPr>
           <a:xfrm>
-            <a:off x="475010" y="2517222"/>
+            <a:off x="475010" y="3028268"/>
             <a:ext cx="2570671" cy="456047"/>
           </a:xfrm>
           <a:prstGeom prst="rect">
@@ -4272,208 +4273,6 @@
           </a:p>
         </p:txBody>
       </p:sp>
-      <p:sp>
-        <p:nvSpPr>
-          <p:cNvPr id="5" name="コンテンツ プレースホルダー 2">
-            <a:extLst>
-              <a:ext uri="{FF2B5EF4-FFF2-40B4-BE49-F238E27FC236}">
-                <a16:creationId xmlns:a16="http://schemas.microsoft.com/office/drawing/2014/main" id="{9ABF2A28-0DF0-41A0-B3A4-E77AD7F4634A}"/>
-              </a:ext>
-            </a:extLst>
-          </p:cNvPr>
-          <p:cNvSpPr txBox="1">
-            <a:spLocks/>
-          </p:cNvSpPr>
-          <p:nvPr/>
-        </p:nvSpPr>
-        <p:spPr>
-          <a:xfrm>
-            <a:off x="475010" y="3732124"/>
-            <a:ext cx="2592956" cy="456047"/>
-          </a:xfrm>
-          <a:prstGeom prst="rect">
-            <a:avLst/>
-          </a:prstGeom>
-        </p:spPr>
-        <p:txBody>
-          <a:bodyPr vert="horz" lIns="91440" tIns="45720" rIns="91440" bIns="45720" rtlCol="0">
-            <a:normAutofit lnSpcReduction="10000"/>
-          </a:bodyPr>
-          <a:lstStyle>
-            <a:lvl1pPr marL="228600" indent="-228600" algn="l" defTabSz="914400" rtl="0" eaLnBrk="1" latinLnBrk="0" hangingPunct="1">
-              <a:lnSpc>
-                <a:spcPct val="90000"/>
-              </a:lnSpc>
-              <a:spcBef>
-                <a:spcPts val="1000"/>
-              </a:spcBef>
-              <a:buFont typeface="Arial" panose="020B0604020202020204" pitchFamily="34" charset="0"/>
-              <a:buChar char="•"/>
-              <a:defRPr kumimoji="1" sz="2800" kern="1200">
-                <a:solidFill>
-                  <a:schemeClr val="tx1"/>
-                </a:solidFill>
-                <a:latin typeface="+mn-lt"/>
-                <a:ea typeface="+mn-ea"/>
-                <a:cs typeface="+mn-cs"/>
-              </a:defRPr>
-            </a:lvl1pPr>
-            <a:lvl2pPr marL="685800" indent="-228600" algn="l" defTabSz="914400" rtl="0" eaLnBrk="1" latinLnBrk="0" hangingPunct="1">
-              <a:lnSpc>
-                <a:spcPct val="90000"/>
-              </a:lnSpc>
-              <a:spcBef>
-                <a:spcPts val="500"/>
-              </a:spcBef>
-              <a:buFont typeface="Arial" panose="020B0604020202020204" pitchFamily="34" charset="0"/>
-              <a:buChar char="•"/>
-              <a:defRPr kumimoji="1" sz="2400" kern="1200">
-                <a:solidFill>
-                  <a:schemeClr val="tx1"/>
-                </a:solidFill>
-                <a:latin typeface="+mn-lt"/>
-                <a:ea typeface="+mn-ea"/>
-                <a:cs typeface="+mn-cs"/>
-              </a:defRPr>
-            </a:lvl2pPr>
-            <a:lvl3pPr marL="1143000" indent="-228600" algn="l" defTabSz="914400" rtl="0" eaLnBrk="1" latinLnBrk="0" hangingPunct="1">
-              <a:lnSpc>
-                <a:spcPct val="90000"/>
-              </a:lnSpc>
-              <a:spcBef>
-                <a:spcPts val="500"/>
-              </a:spcBef>
-              <a:buFont typeface="Arial" panose="020B0604020202020204" pitchFamily="34" charset="0"/>
-              <a:buChar char="•"/>
-              <a:defRPr kumimoji="1" sz="2000" kern="1200">
-                <a:solidFill>
-                  <a:schemeClr val="tx1"/>
-                </a:solidFill>
-                <a:latin typeface="+mn-lt"/>
-                <a:ea typeface="+mn-ea"/>
-                <a:cs typeface="+mn-cs"/>
-              </a:defRPr>
-            </a:lvl3pPr>
-            <a:lvl4pPr marL="1600200" indent="-228600" algn="l" defTabSz="914400" rtl="0" eaLnBrk="1" latinLnBrk="0" hangingPunct="1">
-              <a:lnSpc>
-                <a:spcPct val="90000"/>
-              </a:lnSpc>
-              <a:spcBef>
-                <a:spcPts val="500"/>
-              </a:spcBef>
-              <a:buFont typeface="Arial" panose="020B0604020202020204" pitchFamily="34" charset="0"/>
-              <a:buChar char="•"/>
-              <a:defRPr kumimoji="1" sz="1800" kern="1200">
-                <a:solidFill>
-                  <a:schemeClr val="tx1"/>
-                </a:solidFill>
-                <a:latin typeface="+mn-lt"/>
-                <a:ea typeface="+mn-ea"/>
-                <a:cs typeface="+mn-cs"/>
-              </a:defRPr>
-            </a:lvl4pPr>
-            <a:lvl5pPr marL="2057400" indent="-228600" algn="l" defTabSz="914400" rtl="0" eaLnBrk="1" latinLnBrk="0" hangingPunct="1">
-              <a:lnSpc>
-                <a:spcPct val="90000"/>
-              </a:lnSpc>
-              <a:spcBef>
-                <a:spcPts val="500"/>
-              </a:spcBef>
-              <a:buFont typeface="Arial" panose="020B0604020202020204" pitchFamily="34" charset="0"/>
-              <a:buChar char="•"/>
-              <a:defRPr kumimoji="1" sz="1800" kern="1200">
-                <a:solidFill>
-                  <a:schemeClr val="tx1"/>
-                </a:solidFill>
-                <a:latin typeface="+mn-lt"/>
-                <a:ea typeface="+mn-ea"/>
-                <a:cs typeface="+mn-cs"/>
-              </a:defRPr>
-            </a:lvl5pPr>
-            <a:lvl6pPr marL="2514600" indent="-228600" algn="l" defTabSz="914400" rtl="0" eaLnBrk="1" latinLnBrk="0" hangingPunct="1">
-              <a:lnSpc>
-                <a:spcPct val="90000"/>
-              </a:lnSpc>
-              <a:spcBef>
-                <a:spcPts val="500"/>
-              </a:spcBef>
-              <a:buFont typeface="Arial" panose="020B0604020202020204" pitchFamily="34" charset="0"/>
-              <a:buChar char="•"/>
-              <a:defRPr kumimoji="1" sz="1800" kern="1200">
-                <a:solidFill>
-                  <a:schemeClr val="tx1"/>
-                </a:solidFill>
-                <a:latin typeface="+mn-lt"/>
-                <a:ea typeface="+mn-ea"/>
-                <a:cs typeface="+mn-cs"/>
-              </a:defRPr>
-            </a:lvl6pPr>
-            <a:lvl7pPr marL="2971800" indent="-228600" algn="l" defTabSz="914400" rtl="0" eaLnBrk="1" latinLnBrk="0" hangingPunct="1">
-              <a:lnSpc>
-                <a:spcPct val="90000"/>
-              </a:lnSpc>
-              <a:spcBef>
-                <a:spcPts val="500"/>
-              </a:spcBef>
-              <a:buFont typeface="Arial" panose="020B0604020202020204" pitchFamily="34" charset="0"/>
-              <a:buChar char="•"/>
-              <a:defRPr kumimoji="1" sz="1800" kern="1200">
-                <a:solidFill>
-                  <a:schemeClr val="tx1"/>
-                </a:solidFill>
-                <a:latin typeface="+mn-lt"/>
-                <a:ea typeface="+mn-ea"/>
-                <a:cs typeface="+mn-cs"/>
-              </a:defRPr>
-            </a:lvl7pPr>
-            <a:lvl8pPr marL="3429000" indent="-228600" algn="l" defTabSz="914400" rtl="0" eaLnBrk="1" latinLnBrk="0" hangingPunct="1">
-              <a:lnSpc>
-                <a:spcPct val="90000"/>
-              </a:lnSpc>
-              <a:spcBef>
-                <a:spcPts val="500"/>
-              </a:spcBef>
-              <a:buFont typeface="Arial" panose="020B0604020202020204" pitchFamily="34" charset="0"/>
-              <a:buChar char="•"/>
-              <a:defRPr kumimoji="1" sz="1800" kern="1200">
-                <a:solidFill>
-                  <a:schemeClr val="tx1"/>
-                </a:solidFill>
-                <a:latin typeface="+mn-lt"/>
-                <a:ea typeface="+mn-ea"/>
-                <a:cs typeface="+mn-cs"/>
-              </a:defRPr>
-            </a:lvl8pPr>
-            <a:lvl9pPr marL="3886200" indent="-228600" algn="l" defTabSz="914400" rtl="0" eaLnBrk="1" latinLnBrk="0" hangingPunct="1">
-              <a:lnSpc>
-                <a:spcPct val="90000"/>
-              </a:lnSpc>
-              <a:spcBef>
-                <a:spcPts val="500"/>
-              </a:spcBef>
-              <a:buFont typeface="Arial" panose="020B0604020202020204" pitchFamily="34" charset="0"/>
-              <a:buChar char="•"/>
-              <a:defRPr kumimoji="1" sz="1800" kern="1200">
-                <a:solidFill>
-                  <a:schemeClr val="tx1"/>
-                </a:solidFill>
-                <a:latin typeface="+mn-lt"/>
-                <a:ea typeface="+mn-ea"/>
-                <a:cs typeface="+mn-cs"/>
-              </a:defRPr>
-            </a:lvl9pPr>
-          </a:lstStyle>
-          <a:p>
-            <a:r>
-              <a:rPr lang="ja-JP" altLang="en-US" dirty="0">
-                <a:latin typeface="HGP行書体" panose="03000600000000000000" pitchFamily="66" charset="-128"/>
-                <a:ea typeface="HGP行書体" panose="03000600000000000000" pitchFamily="66" charset="-128"/>
-              </a:rPr>
-              <a:t>素早い動き！</a:t>
-            </a:r>
-          </a:p>
-        </p:txBody>
-      </p:sp>
       <p:pic>
         <p:nvPicPr>
           <p:cNvPr id="1026" name="Picture 2" descr="戦国無双５』先行レビュー。最新作は一般兵も手強い！ 武将との戦いはどう変わった？ アクションの手触りをチェック【プレイ動画あり】 | ゲーム ・エンタメ最新情報のファミ通.com">
@@ -4523,10 +4322,10 @@
       </p:pic>
       <p:pic>
         <p:nvPicPr>
-          <p:cNvPr id="1030" name="Picture 6" descr="シリーズ最新作「ソニックフロンティア」の最新ゲームプレイ映像公開！広大な大地をソニックが爆走！ ｜ ガジェット通信 GetNews">
-            <a:extLst>
-              <a:ext uri="{FF2B5EF4-FFF2-40B4-BE49-F238E27FC236}">
-                <a16:creationId xmlns:a16="http://schemas.microsoft.com/office/drawing/2014/main" id="{5772C325-5809-4CBA-85C1-3988220D2C42}"/>
+          <p:cNvPr id="1032" name="Picture 8" descr="Steam で 35% オフ:LIBLADE">
+            <a:extLst>
+              <a:ext uri="{FF2B5EF4-FFF2-40B4-BE49-F238E27FC236}">
+                <a16:creationId xmlns:a16="http://schemas.microsoft.com/office/drawing/2014/main" id="{96891544-7CC2-47DF-B28A-788642FF25F2}"/>
               </a:ext>
             </a:extLst>
           </p:cNvPr>
@@ -4551,53 +4350,6 @@
         <p:spPr bwMode="auto">
           <a:xfrm>
             <a:off x="3884918" y="1782544"/>
-            <a:ext cx="7832072" cy="4405540"/>
-          </a:xfrm>
-          <a:prstGeom prst="rect">
-            <a:avLst/>
-          </a:prstGeom>
-          <a:noFill/>
-          <a:extLst>
-            <a:ext uri="{909E8E84-426E-40DD-AFC4-6F175D3DCCD1}">
-              <a14:hiddenFill xmlns:a14="http://schemas.microsoft.com/office/drawing/2010/main">
-                <a:solidFill>
-                  <a:srgbClr val="FFFFFF"/>
-                </a:solidFill>
-              </a14:hiddenFill>
-            </a:ext>
-          </a:extLst>
-        </p:spPr>
-      </p:pic>
-      <p:pic>
-        <p:nvPicPr>
-          <p:cNvPr id="1032" name="Picture 8" descr="Steam で 35% オフ:LIBLADE">
-            <a:extLst>
-              <a:ext uri="{FF2B5EF4-FFF2-40B4-BE49-F238E27FC236}">
-                <a16:creationId xmlns:a16="http://schemas.microsoft.com/office/drawing/2014/main" id="{96891544-7CC2-47DF-B28A-788642FF25F2}"/>
-              </a:ext>
-            </a:extLst>
-          </p:cNvPr>
-          <p:cNvPicPr>
-            <a:picLocks noChangeAspect="1" noChangeArrowheads="1"/>
-          </p:cNvPicPr>
-          <p:nvPr/>
-        </p:nvPicPr>
-        <p:blipFill>
-          <a:blip r:embed="rId4">
-            <a:extLst>
-              <a:ext uri="{28A0092B-C50C-407E-A947-70E740481C1C}">
-                <a14:useLocalDpi xmlns:a14="http://schemas.microsoft.com/office/drawing/2010/main" val="0"/>
-              </a:ext>
-            </a:extLst>
-          </a:blip>
-          <a:srcRect/>
-          <a:stretch>
-            <a:fillRect/>
-          </a:stretch>
-        </p:blipFill>
-        <p:spPr bwMode="auto">
-          <a:xfrm>
-            <a:off x="3884916" y="1782544"/>
             <a:ext cx="7832071" cy="4405540"/>
           </a:xfrm>
           <a:prstGeom prst="rect">
@@ -4823,7 +4575,11 @@
                                           </p:stCondLst>
                                         </p:cTn>
                                         <p:tgtEl>
-                                          <p:spTgt spid="5"/>
+                                          <p:spTgt spid="3">
+                                            <p:txEl>
+                                              <p:pRg st="0" end="0"/>
+                                            </p:txEl>
+                                          </p:spTgt>
                                         </p:tgtEl>
                                         <p:attrNameLst>
                                           <p:attrName>style.visibility</p:attrName>
@@ -4837,7 +4593,11 @@
                                       <p:cBhvr additive="base">
                                         <p:cTn id="17" dur="500" fill="hold"/>
                                         <p:tgtEl>
-                                          <p:spTgt spid="5"/>
+                                          <p:spTgt spid="3">
+                                            <p:txEl>
+                                              <p:pRg st="0" end="0"/>
+                                            </p:txEl>
+                                          </p:spTgt>
                                         </p:tgtEl>
                                         <p:attrNameLst>
                                           <p:attrName>ppt_x</p:attrName>
@@ -4860,7 +4620,11 @@
                                       <p:cBhvr additive="base">
                                         <p:cTn id="18" dur="500" fill="hold"/>
                                         <p:tgtEl>
-                                          <p:spTgt spid="5"/>
+                                          <p:spTgt spid="3">
+                                            <p:txEl>
+                                              <p:pRg st="0" end="0"/>
+                                            </p:txEl>
+                                          </p:spTgt>
                                         </p:tgtEl>
                                         <p:attrNameLst>
                                           <p:attrName>ppt_y</p:attrName>
@@ -4896,7 +4660,7 @@
                                           </p:stCondLst>
                                         </p:cTn>
                                         <p:tgtEl>
-                                          <p:spTgt spid="1030"/>
+                                          <p:spTgt spid="1032"/>
                                         </p:tgtEl>
                                         <p:attrNameLst>
                                           <p:attrName>style.visibility</p:attrName>
@@ -4909,182 +4673,6 @@
                                     <p:anim calcmode="lin" valueType="num">
                                       <p:cBhvr additive="base">
                                         <p:cTn id="21" dur="500" fill="hold"/>
-                                        <p:tgtEl>
-                                          <p:spTgt spid="1030"/>
-                                        </p:tgtEl>
-                                        <p:attrNameLst>
-                                          <p:attrName>ppt_x</p:attrName>
-                                        </p:attrNameLst>
-                                      </p:cBhvr>
-                                      <p:tavLst>
-                                        <p:tav tm="0">
-                                          <p:val>
-                                            <p:strVal val="#ppt_x"/>
-                                          </p:val>
-                                        </p:tav>
-                                        <p:tav tm="100000">
-                                          <p:val>
-                                            <p:strVal val="#ppt_x"/>
-                                          </p:val>
-                                        </p:tav>
-                                      </p:tavLst>
-                                    </p:anim>
-                                    <p:anim calcmode="lin" valueType="num">
-                                      <p:cBhvr additive="base">
-                                        <p:cTn id="22" dur="500" fill="hold"/>
-                                        <p:tgtEl>
-                                          <p:spTgt spid="1030"/>
-                                        </p:tgtEl>
-                                        <p:attrNameLst>
-                                          <p:attrName>ppt_y</p:attrName>
-                                        </p:attrNameLst>
-                                      </p:cBhvr>
-                                      <p:tavLst>
-                                        <p:tav tm="0">
-                                          <p:val>
-                                            <p:strVal val="1+#ppt_h/2"/>
-                                          </p:val>
-                                        </p:tav>
-                                        <p:tav tm="100000">
-                                          <p:val>
-                                            <p:strVal val="#ppt_y"/>
-                                          </p:val>
-                                        </p:tav>
-                                      </p:tavLst>
-                                    </p:anim>
-                                  </p:childTnLst>
-                                </p:cTn>
-                              </p:par>
-                            </p:childTnLst>
-                          </p:cTn>
-                        </p:par>
-                      </p:childTnLst>
-                    </p:cTn>
-                  </p:par>
-                  <p:par>
-                    <p:cTn id="23" fill="hold">
-                      <p:stCondLst>
-                        <p:cond delay="indefinite"/>
-                      </p:stCondLst>
-                      <p:childTnLst>
-                        <p:par>
-                          <p:cTn id="24" fill="hold">
-                            <p:stCondLst>
-                              <p:cond delay="0"/>
-                            </p:stCondLst>
-                            <p:childTnLst>
-                              <p:par>
-                                <p:cTn id="25" presetID="2" presetClass="entr" presetSubtype="4" fill="hold" grpId="0" nodeType="clickEffect">
-                                  <p:stCondLst>
-                                    <p:cond delay="0"/>
-                                  </p:stCondLst>
-                                  <p:childTnLst>
-                                    <p:set>
-                                      <p:cBhvr>
-                                        <p:cTn id="26" dur="1" fill="hold">
-                                          <p:stCondLst>
-                                            <p:cond delay="0"/>
-                                          </p:stCondLst>
-                                        </p:cTn>
-                                        <p:tgtEl>
-                                          <p:spTgt spid="3">
-                                            <p:txEl>
-                                              <p:pRg st="0" end="0"/>
-                                            </p:txEl>
-                                          </p:spTgt>
-                                        </p:tgtEl>
-                                        <p:attrNameLst>
-                                          <p:attrName>style.visibility</p:attrName>
-                                        </p:attrNameLst>
-                                      </p:cBhvr>
-                                      <p:to>
-                                        <p:strVal val="visible"/>
-                                      </p:to>
-                                    </p:set>
-                                    <p:anim calcmode="lin" valueType="num">
-                                      <p:cBhvr additive="base">
-                                        <p:cTn id="27" dur="500" fill="hold"/>
-                                        <p:tgtEl>
-                                          <p:spTgt spid="3">
-                                            <p:txEl>
-                                              <p:pRg st="0" end="0"/>
-                                            </p:txEl>
-                                          </p:spTgt>
-                                        </p:tgtEl>
-                                        <p:attrNameLst>
-                                          <p:attrName>ppt_x</p:attrName>
-                                        </p:attrNameLst>
-                                      </p:cBhvr>
-                                      <p:tavLst>
-                                        <p:tav tm="0">
-                                          <p:val>
-                                            <p:strVal val="#ppt_x"/>
-                                          </p:val>
-                                        </p:tav>
-                                        <p:tav tm="100000">
-                                          <p:val>
-                                            <p:strVal val="#ppt_x"/>
-                                          </p:val>
-                                        </p:tav>
-                                      </p:tavLst>
-                                    </p:anim>
-                                    <p:anim calcmode="lin" valueType="num">
-                                      <p:cBhvr additive="base">
-                                        <p:cTn id="28" dur="500" fill="hold"/>
-                                        <p:tgtEl>
-                                          <p:spTgt spid="3">
-                                            <p:txEl>
-                                              <p:pRg st="0" end="0"/>
-                                            </p:txEl>
-                                          </p:spTgt>
-                                        </p:tgtEl>
-                                        <p:attrNameLst>
-                                          <p:attrName>ppt_y</p:attrName>
-                                        </p:attrNameLst>
-                                      </p:cBhvr>
-                                      <p:tavLst>
-                                        <p:tav tm="0">
-                                          <p:val>
-                                            <p:strVal val="1+#ppt_h/2"/>
-                                          </p:val>
-                                        </p:tav>
-                                        <p:tav tm="100000">
-                                          <p:val>
-                                            <p:strVal val="#ppt_y"/>
-                                          </p:val>
-                                        </p:tav>
-                                      </p:tavLst>
-                                    </p:anim>
-                                  </p:childTnLst>
-                                </p:cTn>
-                              </p:par>
-                              <p:par>
-                                <p:cTn id="29" presetID="2" presetClass="entr" presetSubtype="4" fill="hold" nodeType="withEffect">
-                                  <p:stCondLst>
-                                    <p:cond delay="0"/>
-                                  </p:stCondLst>
-                                  <p:childTnLst>
-                                    <p:set>
-                                      <p:cBhvr>
-                                        <p:cTn id="30" dur="1" fill="hold">
-                                          <p:stCondLst>
-                                            <p:cond delay="0"/>
-                                          </p:stCondLst>
-                                        </p:cTn>
-                                        <p:tgtEl>
-                                          <p:spTgt spid="1032"/>
-                                        </p:tgtEl>
-                                        <p:attrNameLst>
-                                          <p:attrName>style.visibility</p:attrName>
-                                        </p:attrNameLst>
-                                      </p:cBhvr>
-                                      <p:to>
-                                        <p:strVal val="visible"/>
-                                      </p:to>
-                                    </p:set>
-                                    <p:anim calcmode="lin" valueType="num">
-                                      <p:cBhvr additive="base">
-                                        <p:cTn id="31" dur="500" fill="hold"/>
                                         <p:tgtEl>
                                           <p:spTgt spid="1032"/>
                                         </p:tgtEl>
@@ -5107,7 +4695,7 @@
                                     </p:anim>
                                     <p:anim calcmode="lin" valueType="num">
                                       <p:cBhvr additive="base">
-                                        <p:cTn id="32" dur="500" fill="hold"/>
+                                        <p:cTn id="22" dur="500" fill="hold"/>
                                         <p:tgtEl>
                                           <p:spTgt spid="1032"/>
                                         </p:tgtEl>
@@ -5161,13 +4749,234 @@
     <p:bldLst>
       <p:bldP spid="3" grpId="0" build="p"/>
       <p:bldP spid="4" grpId="0"/>
-      <p:bldP spid="5" grpId="0"/>
     </p:bldLst>
   </p:timing>
 </p:sld>
 </file>
 
 <file path=ppt/slides/slide4.xml><?xml version="1.0" encoding="utf-8"?>
+<p:sld xmlns:a="http://schemas.openxmlformats.org/drawingml/2006/main" xmlns:r="http://schemas.openxmlformats.org/officeDocument/2006/relationships" xmlns:p="http://schemas.openxmlformats.org/presentationml/2006/main">
+  <p:cSld>
+    <p:spTree>
+      <p:nvGrpSpPr>
+        <p:cNvPr id="1" name=""/>
+        <p:cNvGrpSpPr/>
+        <p:nvPr/>
+      </p:nvGrpSpPr>
+      <p:grpSpPr>
+        <a:xfrm>
+          <a:off x="0" y="0"/>
+          <a:ext cx="0" cy="0"/>
+          <a:chOff x="0" y="0"/>
+          <a:chExt cx="0" cy="0"/>
+        </a:xfrm>
+      </p:grpSpPr>
+      <p:sp>
+        <p:nvSpPr>
+          <p:cNvPr id="2" name="タイトル 1">
+            <a:extLst>
+              <a:ext uri="{FF2B5EF4-FFF2-40B4-BE49-F238E27FC236}">
+                <a16:creationId xmlns:a16="http://schemas.microsoft.com/office/drawing/2014/main" id="{1F3C7072-A007-4CC8-9068-BDE15A2A59FB}"/>
+              </a:ext>
+            </a:extLst>
+          </p:cNvPr>
+          <p:cNvSpPr>
+            <a:spLocks noGrp="1"/>
+          </p:cNvSpPr>
+          <p:nvPr>
+            <p:ph type="title"/>
+          </p:nvPr>
+        </p:nvSpPr>
+        <p:spPr>
+          <a:xfrm>
+            <a:off x="108357" y="109821"/>
+            <a:ext cx="4488809" cy="868057"/>
+          </a:xfrm>
+        </p:spPr>
+        <p:txBody>
+          <a:bodyPr/>
+          <a:lstStyle/>
+          <a:p>
+            <a:r>
+              <a:rPr lang="ja-JP" altLang="en-US" b="1" dirty="0">
+                <a:solidFill>
+                  <a:srgbClr val="92D050"/>
+                </a:solidFill>
+                <a:latin typeface="HGP行書体" panose="03000600000000000000" pitchFamily="66" charset="-128"/>
+                <a:ea typeface="HGP行書体" panose="03000600000000000000" pitchFamily="66" charset="-128"/>
+              </a:rPr>
+              <a:t>実際のゲーム画面</a:t>
+            </a:r>
+            <a:endParaRPr kumimoji="1" lang="ja-JP" altLang="en-US" b="1" dirty="0">
+              <a:solidFill>
+                <a:srgbClr val="92D050"/>
+              </a:solidFill>
+              <a:latin typeface="HGP行書体" panose="03000600000000000000" pitchFamily="66" charset="-128"/>
+              <a:ea typeface="HGP行書体" panose="03000600000000000000" pitchFamily="66" charset="-128"/>
+            </a:endParaRPr>
+          </a:p>
+        </p:txBody>
+      </p:sp>
+      <p:pic>
+        <p:nvPicPr>
+          <p:cNvPr id="5" name="コンテンツ プレースホルダー 4">
+            <a:extLst>
+              <a:ext uri="{FF2B5EF4-FFF2-40B4-BE49-F238E27FC236}">
+                <a16:creationId xmlns:a16="http://schemas.microsoft.com/office/drawing/2014/main" id="{591DDD34-F13D-4055-B1D0-61C6C473EB16}"/>
+              </a:ext>
+            </a:extLst>
+          </p:cNvPr>
+          <p:cNvPicPr>
+            <a:picLocks noGrp="1" noChangeAspect="1"/>
+          </p:cNvPicPr>
+          <p:nvPr>
+            <p:ph idx="1"/>
+          </p:nvPr>
+        </p:nvPicPr>
+        <p:blipFill>
+          <a:blip r:embed="rId2">
+            <a:extLst>
+              <a:ext uri="{28A0092B-C50C-407E-A947-70E740481C1C}">
+                <a14:useLocalDpi xmlns:a14="http://schemas.microsoft.com/office/drawing/2010/main" val="0"/>
+              </a:ext>
+            </a:extLst>
+          </a:blip>
+          <a:stretch>
+            <a:fillRect/>
+          </a:stretch>
+        </p:blipFill>
+        <p:spPr>
+          <a:xfrm>
+            <a:off x="1022272" y="977878"/>
+            <a:ext cx="10147456" cy="5707944"/>
+          </a:xfrm>
+        </p:spPr>
+      </p:pic>
+      <p:sp>
+        <p:nvSpPr>
+          <p:cNvPr id="6" name="テキスト ボックス 5">
+            <a:extLst>
+              <a:ext uri="{FF2B5EF4-FFF2-40B4-BE49-F238E27FC236}">
+                <a16:creationId xmlns:a16="http://schemas.microsoft.com/office/drawing/2014/main" id="{9F1EECA0-CAF5-4729-B471-3E8C223D58C9}"/>
+              </a:ext>
+            </a:extLst>
+          </p:cNvPr>
+          <p:cNvSpPr txBox="1"/>
+          <p:nvPr/>
+        </p:nvSpPr>
+        <p:spPr>
+          <a:xfrm>
+            <a:off x="312832" y="2239861"/>
+            <a:ext cx="4801314" cy="369332"/>
+          </a:xfrm>
+          <a:prstGeom prst="rect">
+            <a:avLst/>
+          </a:prstGeom>
+          <a:noFill/>
+        </p:spPr>
+        <p:txBody>
+          <a:bodyPr wrap="none" rtlCol="0">
+            <a:spAutoFit/>
+          </a:bodyPr>
+          <a:lstStyle/>
+          <a:p>
+            <a:r>
+              <a:rPr lang="ja-JP" altLang="en-US" dirty="0">
+                <a:highlight>
+                  <a:srgbClr val="00FF00"/>
+                </a:highlight>
+              </a:rPr>
+              <a:t>攻撃をした際のエフェクトを特に明るく表現</a:t>
+            </a:r>
+            <a:endParaRPr kumimoji="1" lang="ja-JP" altLang="en-US" dirty="0">
+              <a:highlight>
+                <a:srgbClr val="00FF00"/>
+              </a:highlight>
+            </a:endParaRPr>
+          </a:p>
+        </p:txBody>
+      </p:sp>
+      <p:sp>
+        <p:nvSpPr>
+          <p:cNvPr id="7" name="テキスト ボックス 6">
+            <a:extLst>
+              <a:ext uri="{FF2B5EF4-FFF2-40B4-BE49-F238E27FC236}">
+                <a16:creationId xmlns:a16="http://schemas.microsoft.com/office/drawing/2014/main" id="{16A6B23B-CC36-4419-8EE4-7FACC2DD5020}"/>
+              </a:ext>
+            </a:extLst>
+          </p:cNvPr>
+          <p:cNvSpPr txBox="1"/>
+          <p:nvPr/>
+        </p:nvSpPr>
+        <p:spPr>
+          <a:xfrm>
+            <a:off x="5754848" y="4706224"/>
+            <a:ext cx="3108543" cy="646331"/>
+          </a:xfrm>
+          <a:prstGeom prst="rect">
+            <a:avLst/>
+          </a:prstGeom>
+          <a:noFill/>
+        </p:spPr>
+        <p:txBody>
+          <a:bodyPr wrap="none" rtlCol="0">
+            <a:spAutoFit/>
+          </a:bodyPr>
+          <a:lstStyle/>
+          <a:p>
+            <a:r>
+              <a:rPr lang="ja-JP" altLang="en-US" dirty="0">
+                <a:highlight>
+                  <a:srgbClr val="00FF00"/>
+                </a:highlight>
+              </a:rPr>
+              <a:t>攻撃範囲を広く持たせて</a:t>
+            </a:r>
+            <a:endParaRPr lang="en-US" altLang="ja-JP" dirty="0">
+              <a:highlight>
+                <a:srgbClr val="00FF00"/>
+              </a:highlight>
+            </a:endParaRPr>
+          </a:p>
+          <a:p>
+            <a:r>
+              <a:rPr kumimoji="1" lang="ja-JP" altLang="en-US" dirty="0">
+                <a:highlight>
+                  <a:srgbClr val="00FF00"/>
+                </a:highlight>
+              </a:rPr>
+              <a:t>一度にたくさんの敵を攻撃</a:t>
+            </a:r>
+            <a:r>
+              <a:rPr kumimoji="1" lang="en-US" altLang="ja-JP" dirty="0">
+                <a:highlight>
+                  <a:srgbClr val="00FF00"/>
+                </a:highlight>
+              </a:rPr>
+              <a:t>!!</a:t>
+            </a:r>
+            <a:endParaRPr kumimoji="1" lang="ja-JP" altLang="en-US" dirty="0">
+              <a:highlight>
+                <a:srgbClr val="00FF00"/>
+              </a:highlight>
+            </a:endParaRPr>
+          </a:p>
+        </p:txBody>
+      </p:sp>
+    </p:spTree>
+    <p:extLst>
+      <p:ext uri="{BB962C8B-B14F-4D97-AF65-F5344CB8AC3E}">
+        <p14:creationId xmlns:p14="http://schemas.microsoft.com/office/powerpoint/2010/main" val="3613279446"/>
+      </p:ext>
+    </p:extLst>
+  </p:cSld>
+  <p:clrMapOvr>
+    <a:masterClrMapping/>
+  </p:clrMapOvr>
+</p:sld>
+</file>
+
+<file path=ppt/slides/slide5.xml><?xml version="1.0" encoding="utf-8"?>
 <p:sld xmlns:a="http://schemas.openxmlformats.org/drawingml/2006/main" xmlns:r="http://schemas.openxmlformats.org/officeDocument/2006/relationships" xmlns:p="http://schemas.openxmlformats.org/presentationml/2006/main">
   <p:cSld>
     <p:spTree>
